--- a/mechanics_creeper.pptx
+++ b/mechanics_creeper.pptx
@@ -3915,9 +3915,36 @@
                 <a:effectLst/>
                 <a:latin typeface="Roboto" panose="02000000000000000000" pitchFamily="2" charset="0"/>
               </a:rPr>
-              <a:t>Snap On available at the online Snap On store</a:t>
-            </a:r>
-            <a:endParaRPr lang="en-US" sz="1400" dirty="0"/>
+              <a:t>Snap On: </a:t>
+            </a:r>
+            <a:r>
+              <a:rPr lang="en-US" sz="1400" b="0" i="0" dirty="0">
+                <a:solidFill>
+                  <a:srgbClr val="131313"/>
+                </a:solidFill>
+                <a:effectLst/>
+                <a:latin typeface="Roboto" panose="02000000000000000000" pitchFamily="2" charset="0"/>
+                <a:hlinkClick r:id="rId15"/>
+              </a:rPr>
+              <a:t>https://</a:t>
+            </a:r>
+            <a:r>
+              <a:rPr lang="en-US" sz="1400" b="0" i="0" dirty="0" err="1">
+                <a:solidFill>
+                  <a:srgbClr val="131313"/>
+                </a:solidFill>
+                <a:effectLst/>
+                <a:latin typeface="Roboto" panose="02000000000000000000" pitchFamily="2" charset="0"/>
+                <a:hlinkClick r:id="rId15"/>
+              </a:rPr>
+              <a:t>www.snapon.com</a:t>
+            </a:r>
+            <a:endParaRPr lang="en-US" sz="1400" dirty="0">
+              <a:solidFill>
+                <a:srgbClr val="131313"/>
+              </a:solidFill>
+              <a:latin typeface="Roboto" panose="02000000000000000000" pitchFamily="2" charset="0"/>
+            </a:endParaRPr>
           </a:p>
         </p:txBody>
       </p:sp>
